--- a/Areej/Areej presentation.pptx
+++ b/Areej/Areej presentation.pptx
@@ -5,18 +5,15 @@
     <p:sldMasterId id="2147483648" r:id="rId1"/>
   </p:sldMasterIdLst>
   <p:notesMasterIdLst>
-    <p:notesMasterId r:id="rId11"/>
+    <p:notesMasterId r:id="rId8"/>
   </p:notesMasterIdLst>
   <p:sldIdLst>
     <p:sldId id="256" r:id="rId2"/>
     <p:sldId id="286" r:id="rId3"/>
     <p:sldId id="287" r:id="rId4"/>
     <p:sldId id="288" r:id="rId5"/>
-    <p:sldId id="257" r:id="rId6"/>
-    <p:sldId id="258" r:id="rId7"/>
-    <p:sldId id="259" r:id="rId8"/>
-    <p:sldId id="260" r:id="rId9"/>
-    <p:sldId id="262" r:id="rId10"/>
+    <p:sldId id="258" r:id="rId6"/>
+    <p:sldId id="260" r:id="rId7"/>
   </p:sldIdLst>
   <p:sldSz cx="12192000" cy="6858000"/>
   <p:notesSz cx="6858000" cy="9144000"/>
@@ -205,7 +202,7 @@
           <a:p>
             <a:fld id="{FE625EF6-C713-49BE-B585-F86040941D57}" type="datetimeFigureOut">
               <a:rPr lang="en-US" smtClean="0"/>
-              <a:t>2/13/2019</a:t>
+              <a:t>2/14/2019</a:t>
             </a:fld>
             <a:endParaRPr lang="en-US"/>
           </a:p>
@@ -546,90 +543,6 @@
     </p:spTree>
     <p:extLst>
       <p:ext uri="{BB962C8B-B14F-4D97-AF65-F5344CB8AC3E}">
-        <p14:creationId xmlns:p14="http://schemas.microsoft.com/office/powerpoint/2010/main" val="411262885"/>
-      </p:ext>
-    </p:extLst>
-  </p:cSld>
-  <p:clrMapOvr>
-    <a:masterClrMapping/>
-  </p:clrMapOvr>
-</p:notes>
-</file>
-
-<file path=ppt/notesSlides/notesSlide2.xml><?xml version="1.0" encoding="utf-8"?>
-<p:notes xmlns:a="http://schemas.openxmlformats.org/drawingml/2006/main" xmlns:r="http://schemas.openxmlformats.org/officeDocument/2006/relationships" xmlns:p="http://schemas.openxmlformats.org/presentationml/2006/main">
-  <p:cSld>
-    <p:spTree>
-      <p:nvGrpSpPr>
-        <p:cNvPr id="1" name=""/>
-        <p:cNvGrpSpPr/>
-        <p:nvPr/>
-      </p:nvGrpSpPr>
-      <p:grpSpPr>
-        <a:xfrm>
-          <a:off x="0" y="0"/>
-          <a:ext cx="0" cy="0"/>
-          <a:chOff x="0" y="0"/>
-          <a:chExt cx="0" cy="0"/>
-        </a:xfrm>
-      </p:grpSpPr>
-      <p:sp>
-        <p:nvSpPr>
-          <p:cNvPr id="2" name="Slide Image Placeholder 1"/>
-          <p:cNvSpPr>
-            <a:spLocks noGrp="1" noRot="1" noChangeAspect="1"/>
-          </p:cNvSpPr>
-          <p:nvPr>
-            <p:ph type="sldImg"/>
-          </p:nvPr>
-        </p:nvSpPr>
-        <p:spPr/>
-      </p:sp>
-      <p:sp>
-        <p:nvSpPr>
-          <p:cNvPr id="3" name="Notes Placeholder 2"/>
-          <p:cNvSpPr>
-            <a:spLocks noGrp="1"/>
-          </p:cNvSpPr>
-          <p:nvPr>
-            <p:ph type="body" idx="1"/>
-          </p:nvPr>
-        </p:nvSpPr>
-        <p:spPr/>
-        <p:txBody>
-          <a:bodyPr/>
-          <a:lstStyle/>
-          <a:p>
-            <a:endParaRPr lang="en-US" dirty="0"/>
-          </a:p>
-        </p:txBody>
-      </p:sp>
-      <p:sp>
-        <p:nvSpPr>
-          <p:cNvPr id="4" name="Slide Number Placeholder 3"/>
-          <p:cNvSpPr>
-            <a:spLocks noGrp="1"/>
-          </p:cNvSpPr>
-          <p:nvPr>
-            <p:ph type="sldNum" sz="quarter" idx="10"/>
-          </p:nvPr>
-        </p:nvSpPr>
-        <p:spPr/>
-        <p:txBody>
-          <a:bodyPr/>
-          <a:lstStyle/>
-          <a:p>
-            <a:fld id="{68668C5B-211C-480E-BA8C-12EF14C13520}" type="slidenum">
-              <a:rPr lang="en-US" smtClean="0"/>
-              <a:t>6</a:t>
-            </a:fld>
-            <a:endParaRPr lang="en-US"/>
-          </a:p>
-        </p:txBody>
-      </p:sp>
-    </p:spTree>
-    <p:extLst>
-      <p:ext uri="{BB962C8B-B14F-4D97-AF65-F5344CB8AC3E}">
         <p14:creationId xmlns:p14="http://schemas.microsoft.com/office/powerpoint/2010/main" val="1898848281"/>
       </p:ext>
     </p:extLst>
@@ -769,7 +682,7 @@
           <a:p>
             <a:fld id="{A25706F6-EBDA-48F7-BDB6-C5156C5F5F85}" type="datetimeFigureOut">
               <a:rPr lang="en-US" smtClean="0"/>
-              <a:t>2/13/2019</a:t>
+              <a:t>2/14/2019</a:t>
             </a:fld>
             <a:endParaRPr lang="en-US"/>
           </a:p>
@@ -937,7 +850,7 @@
           <a:p>
             <a:fld id="{A25706F6-EBDA-48F7-BDB6-C5156C5F5F85}" type="datetimeFigureOut">
               <a:rPr lang="en-US" smtClean="0"/>
-              <a:t>2/13/2019</a:t>
+              <a:t>2/14/2019</a:t>
             </a:fld>
             <a:endParaRPr lang="en-US"/>
           </a:p>
@@ -1115,7 +1028,7 @@
           <a:p>
             <a:fld id="{A25706F6-EBDA-48F7-BDB6-C5156C5F5F85}" type="datetimeFigureOut">
               <a:rPr lang="en-US" smtClean="0"/>
-              <a:t>2/13/2019</a:t>
+              <a:t>2/14/2019</a:t>
             </a:fld>
             <a:endParaRPr lang="en-US"/>
           </a:p>
@@ -1283,7 +1196,7 @@
           <a:p>
             <a:fld id="{A25706F6-EBDA-48F7-BDB6-C5156C5F5F85}" type="datetimeFigureOut">
               <a:rPr lang="en-US" smtClean="0"/>
-              <a:t>2/13/2019</a:t>
+              <a:t>2/14/2019</a:t>
             </a:fld>
             <a:endParaRPr lang="en-US"/>
           </a:p>
@@ -1528,7 +1441,7 @@
           <a:p>
             <a:fld id="{A25706F6-EBDA-48F7-BDB6-C5156C5F5F85}" type="datetimeFigureOut">
               <a:rPr lang="en-US" smtClean="0"/>
-              <a:t>2/13/2019</a:t>
+              <a:t>2/14/2019</a:t>
             </a:fld>
             <a:endParaRPr lang="en-US"/>
           </a:p>
@@ -1757,7 +1670,7 @@
           <a:p>
             <a:fld id="{A25706F6-EBDA-48F7-BDB6-C5156C5F5F85}" type="datetimeFigureOut">
               <a:rPr lang="en-US" smtClean="0"/>
-              <a:t>2/13/2019</a:t>
+              <a:t>2/14/2019</a:t>
             </a:fld>
             <a:endParaRPr lang="en-US"/>
           </a:p>
@@ -2121,7 +2034,7 @@
           <a:p>
             <a:fld id="{A25706F6-EBDA-48F7-BDB6-C5156C5F5F85}" type="datetimeFigureOut">
               <a:rPr lang="en-US" smtClean="0"/>
-              <a:t>2/13/2019</a:t>
+              <a:t>2/14/2019</a:t>
             </a:fld>
             <a:endParaRPr lang="en-US"/>
           </a:p>
@@ -2238,7 +2151,7 @@
           <a:p>
             <a:fld id="{A25706F6-EBDA-48F7-BDB6-C5156C5F5F85}" type="datetimeFigureOut">
               <a:rPr lang="en-US" smtClean="0"/>
-              <a:t>2/13/2019</a:t>
+              <a:t>2/14/2019</a:t>
             </a:fld>
             <a:endParaRPr lang="en-US"/>
           </a:p>
@@ -2333,7 +2246,7 @@
           <a:p>
             <a:fld id="{A25706F6-EBDA-48F7-BDB6-C5156C5F5F85}" type="datetimeFigureOut">
               <a:rPr lang="en-US" smtClean="0"/>
-              <a:t>2/13/2019</a:t>
+              <a:t>2/14/2019</a:t>
             </a:fld>
             <a:endParaRPr lang="en-US"/>
           </a:p>
@@ -2608,7 +2521,7 @@
           <a:p>
             <a:fld id="{A25706F6-EBDA-48F7-BDB6-C5156C5F5F85}" type="datetimeFigureOut">
               <a:rPr lang="en-US" smtClean="0"/>
-              <a:t>2/13/2019</a:t>
+              <a:t>2/14/2019</a:t>
             </a:fld>
             <a:endParaRPr lang="en-US"/>
           </a:p>
@@ -2860,7 +2773,7 @@
           <a:p>
             <a:fld id="{A25706F6-EBDA-48F7-BDB6-C5156C5F5F85}" type="datetimeFigureOut">
               <a:rPr lang="en-US" smtClean="0"/>
-              <a:t>2/13/2019</a:t>
+              <a:t>2/14/2019</a:t>
             </a:fld>
             <a:endParaRPr lang="en-US"/>
           </a:p>
@@ -3071,7 +2984,7 @@
           <a:p>
             <a:fld id="{A25706F6-EBDA-48F7-BDB6-C5156C5F5F85}" type="datetimeFigureOut">
               <a:rPr lang="en-US" smtClean="0"/>
-              <a:t>2/13/2019</a:t>
+              <a:t>2/14/2019</a:t>
             </a:fld>
             <a:endParaRPr lang="en-US"/>
           </a:p>
@@ -3696,17 +3609,7 @@
                   <a:srgbClr val="FF0000"/>
                 </a:solidFill>
               </a:rPr>
-              <a:t>Wildfires damage and the impact on the economy .</a:t>
-            </a:r>
-          </a:p>
-          <a:p>
-            <a:r>
-              <a:rPr lang="en-US" dirty="0">
-                <a:solidFill>
-                  <a:srgbClr val="FF0000"/>
-                </a:solidFill>
-              </a:rPr>
-              <a:t> </a:t>
+              <a:t>Wildfires damage and the impact on the economy . </a:t>
             </a:r>
           </a:p>
         </p:txBody>
@@ -3789,7 +3692,13 @@
               </a:rPr>
               <a:t>https://www.kaggle.com/rtatman/188-million-us-wildfires</a:t>
             </a:r>
-            <a:endParaRPr lang="en-US" dirty="0"/>
+            <a:endParaRPr lang="en-US" u="sng" dirty="0"/>
+          </a:p>
+          <a:p>
+            <a:r>
+              <a:rPr lang="en-US" dirty="0"/>
+              <a:t>"Our database is over a billion rows covering fifteen years"</a:t>
+            </a:r>
           </a:p>
         </p:txBody>
       </p:sp>
@@ -3956,84 +3865,6 @@
       </p:grpSpPr>
       <p:sp>
         <p:nvSpPr>
-          <p:cNvPr id="3" name="Content Placeholder 2">
-            <a:extLst>
-              <a:ext uri="{FF2B5EF4-FFF2-40B4-BE49-F238E27FC236}">
-                <a16:creationId xmlns:a16="http://schemas.microsoft.com/office/drawing/2014/main" id="{C612D8F8-3086-4DE1-A2C9-6528C16FA779}"/>
-              </a:ext>
-            </a:extLst>
-          </p:cNvPr>
-          <p:cNvSpPr>
-            <a:spLocks noGrp="1"/>
-          </p:cNvSpPr>
-          <p:nvPr>
-            <p:ph idx="1"/>
-          </p:nvPr>
-        </p:nvSpPr>
-        <p:spPr/>
-        <p:txBody>
-          <a:bodyPr/>
-          <a:lstStyle/>
-          <a:p>
-            <a:r>
-              <a:rPr lang="en-US" dirty="0"/>
-              <a:t>Add </a:t>
-            </a:r>
-            <a:r>
-              <a:rPr lang="en-US" dirty="0" err="1"/>
-              <a:t>justins</a:t>
-            </a:r>
-            <a:r>
-              <a:rPr lang="en-US" dirty="0"/>
-              <a:t> graph</a:t>
-            </a:r>
-          </a:p>
-        </p:txBody>
-      </p:sp>
-    </p:spTree>
-    <p:extLst>
-      <p:ext uri="{BB962C8B-B14F-4D97-AF65-F5344CB8AC3E}">
-        <p14:creationId xmlns:p14="http://schemas.microsoft.com/office/powerpoint/2010/main" val="722652321"/>
-      </p:ext>
-    </p:extLst>
-  </p:cSld>
-  <p:clrMapOvr>
-    <a:masterClrMapping/>
-  </p:clrMapOvr>
-  <mc:AlternateContent xmlns:mc="http://schemas.openxmlformats.org/markup-compatibility/2006" xmlns:p15="http://schemas.microsoft.com/office/powerpoint/2012/main">
-    <mc:Choice Requires="p15">
-      <p:transition xmlns:p14="http://schemas.microsoft.com/office/powerpoint/2010/main" spd="slow" p14:dur="2000">
-        <p15:prstTrans prst="fallOver"/>
-      </p:transition>
-    </mc:Choice>
-    <mc:Fallback xmlns="">
-      <p:transition spd="slow">
-        <p:fade/>
-      </p:transition>
-    </mc:Fallback>
-  </mc:AlternateContent>
-</p:sld>
-</file>
-
-<file path=ppt/slides/slide6.xml><?xml version="1.0" encoding="utf-8"?>
-<p:sld xmlns:a="http://schemas.openxmlformats.org/drawingml/2006/main" xmlns:r="http://schemas.openxmlformats.org/officeDocument/2006/relationships" xmlns:p="http://schemas.openxmlformats.org/presentationml/2006/main">
-  <p:cSld>
-    <p:spTree>
-      <p:nvGrpSpPr>
-        <p:cNvPr id="1" name=""/>
-        <p:cNvGrpSpPr/>
-        <p:nvPr/>
-      </p:nvGrpSpPr>
-      <p:grpSpPr>
-        <a:xfrm>
-          <a:off x="0" y="0"/>
-          <a:ext cx="0" cy="0"/>
-          <a:chOff x="0" y="0"/>
-          <a:chExt cx="0" cy="0"/>
-        </a:xfrm>
-      </p:grpSpPr>
-      <p:sp>
-        <p:nvSpPr>
           <p:cNvPr id="9" name="Title 8">
             <a:extLst>
               <a:ext uri="{FF2B5EF4-FFF2-40B4-BE49-F238E27FC236}">
@@ -4136,82 +3967,7 @@
 </p:sld>
 </file>
 
-<file path=ppt/slides/slide7.xml><?xml version="1.0" encoding="utf-8"?>
-<p:sld xmlns:a="http://schemas.openxmlformats.org/drawingml/2006/main" xmlns:r="http://schemas.openxmlformats.org/officeDocument/2006/relationships" xmlns:p="http://schemas.openxmlformats.org/presentationml/2006/main">
-  <p:cSld>
-    <p:spTree>
-      <p:nvGrpSpPr>
-        <p:cNvPr id="1" name=""/>
-        <p:cNvGrpSpPr/>
-        <p:nvPr/>
-      </p:nvGrpSpPr>
-      <p:grpSpPr>
-        <a:xfrm>
-          <a:off x="0" y="0"/>
-          <a:ext cx="0" cy="0"/>
-          <a:chOff x="0" y="0"/>
-          <a:chExt cx="0" cy="0"/>
-        </a:xfrm>
-      </p:grpSpPr>
-      <p:sp>
-        <p:nvSpPr>
-          <p:cNvPr id="3" name="Content Placeholder 2">
-            <a:extLst>
-              <a:ext uri="{FF2B5EF4-FFF2-40B4-BE49-F238E27FC236}">
-                <a16:creationId xmlns:a16="http://schemas.microsoft.com/office/drawing/2014/main" id="{F5DD38CC-ED47-4174-8A4A-D81D5AA3A3B5}"/>
-              </a:ext>
-            </a:extLst>
-          </p:cNvPr>
-          <p:cNvSpPr>
-            <a:spLocks noGrp="1"/>
-          </p:cNvSpPr>
-          <p:nvPr>
-            <p:ph idx="1"/>
-          </p:nvPr>
-        </p:nvSpPr>
-        <p:spPr/>
-        <p:txBody>
-          <a:bodyPr/>
-          <a:lstStyle/>
-          <a:p>
-            <a:r>
-              <a:rPr lang="en-US" dirty="0"/>
-              <a:t>Graph from </a:t>
-            </a:r>
-            <a:r>
-              <a:rPr lang="en-US" dirty="0" err="1"/>
-              <a:t>justin</a:t>
-            </a:r>
-            <a:endParaRPr lang="en-US" dirty="0"/>
-          </a:p>
-        </p:txBody>
-      </p:sp>
-    </p:spTree>
-    <p:extLst>
-      <p:ext uri="{BB962C8B-B14F-4D97-AF65-F5344CB8AC3E}">
-        <p14:creationId xmlns:p14="http://schemas.microsoft.com/office/powerpoint/2010/main" val="1811641916"/>
-      </p:ext>
-    </p:extLst>
-  </p:cSld>
-  <p:clrMapOvr>
-    <a:masterClrMapping/>
-  </p:clrMapOvr>
-  <mc:AlternateContent xmlns:mc="http://schemas.openxmlformats.org/markup-compatibility/2006" xmlns:p14="http://schemas.microsoft.com/office/powerpoint/2010/main">
-    <mc:Choice Requires="p14">
-      <p:transition spd="slow" p14:dur="1500">
-        <p:split orient="vert"/>
-      </p:transition>
-    </mc:Choice>
-    <mc:Fallback xmlns="">
-      <p:transition spd="slow">
-        <p:split orient="vert"/>
-      </p:transition>
-    </mc:Fallback>
-  </mc:AlternateContent>
-</p:sld>
-</file>
-
-<file path=ppt/slides/slide8.xml><?xml version="1.0" encoding="utf-8"?>
+<file path=ppt/slides/slide6.xml><?xml version="1.0" encoding="utf-8"?>
 <p:sld xmlns:a="http://schemas.openxmlformats.org/drawingml/2006/main" xmlns:r="http://schemas.openxmlformats.org/officeDocument/2006/relationships" xmlns:p="http://schemas.openxmlformats.org/presentationml/2006/main">
   <p:cSld>
     <p:spTree>
@@ -4341,86 +4097,6 @@
       </p:transition>
     </mc:Fallback>
   </mc:AlternateContent>
-</p:sld>
-</file>
-
-<file path=ppt/slides/slide9.xml><?xml version="1.0" encoding="utf-8"?>
-<p:sld xmlns:a="http://schemas.openxmlformats.org/drawingml/2006/main" xmlns:r="http://schemas.openxmlformats.org/officeDocument/2006/relationships" xmlns:p="http://schemas.openxmlformats.org/presentationml/2006/main">
-  <p:cSld>
-    <p:spTree>
-      <p:nvGrpSpPr>
-        <p:cNvPr id="1" name=""/>
-        <p:cNvGrpSpPr/>
-        <p:nvPr/>
-      </p:nvGrpSpPr>
-      <p:grpSpPr>
-        <a:xfrm>
-          <a:off x="0" y="0"/>
-          <a:ext cx="0" cy="0"/>
-          <a:chOff x="0" y="0"/>
-          <a:chExt cx="0" cy="0"/>
-        </a:xfrm>
-      </p:grpSpPr>
-      <p:sp>
-        <p:nvSpPr>
-          <p:cNvPr id="2" name="Title 1"/>
-          <p:cNvSpPr>
-            <a:spLocks noGrp="1"/>
-          </p:cNvSpPr>
-          <p:nvPr>
-            <p:ph type="title"/>
-          </p:nvPr>
-        </p:nvSpPr>
-        <p:spPr/>
-        <p:txBody>
-          <a:bodyPr/>
-          <a:lstStyle/>
-          <a:p>
-            <a:endParaRPr lang="en-US"/>
-          </a:p>
-        </p:txBody>
-      </p:sp>
-      <p:sp>
-        <p:nvSpPr>
-          <p:cNvPr id="5" name="Content Placeholder 4">
-            <a:extLst>
-              <a:ext uri="{FF2B5EF4-FFF2-40B4-BE49-F238E27FC236}">
-                <a16:creationId xmlns:a16="http://schemas.microsoft.com/office/drawing/2014/main" id="{82BEF667-27C9-459C-AC62-72C68FE58417}"/>
-              </a:ext>
-            </a:extLst>
-          </p:cNvPr>
-          <p:cNvSpPr>
-            <a:spLocks noGrp="1"/>
-          </p:cNvSpPr>
-          <p:nvPr>
-            <p:ph idx="1"/>
-          </p:nvPr>
-        </p:nvSpPr>
-        <p:spPr/>
-        <p:txBody>
-          <a:bodyPr/>
-          <a:lstStyle/>
-          <a:p>
-            <a:r>
-              <a:rPr lang="en-US" dirty="0"/>
-              <a:t>Justin graph</a:t>
-            </a:r>
-          </a:p>
-        </p:txBody>
-      </p:sp>
-    </p:spTree>
-    <p:extLst>
-      <p:ext uri="{BB962C8B-B14F-4D97-AF65-F5344CB8AC3E}">
-        <p14:creationId xmlns:p14="http://schemas.microsoft.com/office/powerpoint/2010/main" val="2382348052"/>
-      </p:ext>
-    </p:extLst>
-  </p:cSld>
-  <p:clrMapOvr>
-    <a:masterClrMapping/>
-  </p:clrMapOvr>
-  <p:transition spd="slow">
-    <p:wipe/>
-  </p:transition>
 </p:sld>
 </file>
 

--- a/Areej/Areej presentation.pptx
+++ b/Areej/Areej presentation.pptx
@@ -3598,7 +3598,7 @@
                   <a:srgbClr val="FF0000"/>
                 </a:solidFill>
               </a:rPr>
-              <a:t>Effects of the climate changes in the spread of the wildfires all over the Unites States.</a:t>
+              <a:t>Is there an Effect of the climate changes in the spread of the wildfires all over the Unites States?</a:t>
             </a:r>
           </a:p>
           <a:p>
@@ -3609,7 +3609,7 @@
                   <a:srgbClr val="FF0000"/>
                 </a:solidFill>
               </a:rPr>
-              <a:t>Wildfires damage and the impact on the economy . </a:t>
+              <a:t>How much is Wildfires damage and does it have an impact on the economy of the United States?. </a:t>
             </a:r>
           </a:p>
         </p:txBody>
@@ -3970,6 +3970,14 @@
 <file path=ppt/slides/slide6.xml><?xml version="1.0" encoding="utf-8"?>
 <p:sld xmlns:a="http://schemas.openxmlformats.org/drawingml/2006/main" xmlns:r="http://schemas.openxmlformats.org/officeDocument/2006/relationships" xmlns:p="http://schemas.openxmlformats.org/presentationml/2006/main">
   <p:cSld>
+    <p:bg>
+      <p:bgPr>
+        <a:solidFill>
+          <a:schemeClr val="bg1"/>
+        </a:solidFill>
+        <a:effectLst/>
+      </p:bgPr>
+    </p:bg>
     <p:spTree>
       <p:nvGrpSpPr>
         <p:cNvPr id="1" name=""/>
@@ -3984,36 +3992,9 @@
           <a:chExt cx="0" cy="0"/>
         </a:xfrm>
       </p:grpSpPr>
-      <p:sp>
-        <p:nvSpPr>
-          <p:cNvPr id="2" name="Title 1"/>
-          <p:cNvSpPr>
-            <a:spLocks noGrp="1"/>
-          </p:cNvSpPr>
-          <p:nvPr>
-            <p:ph type="title"/>
-          </p:nvPr>
-        </p:nvSpPr>
-        <p:spPr>
-          <a:xfrm>
-            <a:off x="324399" y="598516"/>
-            <a:ext cx="3100445" cy="631768"/>
-          </a:xfrm>
-        </p:spPr>
-        <p:txBody>
-          <a:bodyPr/>
-          <a:lstStyle/>
-          <a:p>
-            <a:r>
-              <a:rPr lang="en-US" dirty="0"/>
-              <a:t>Fire size per state</a:t>
-            </a:r>
-          </a:p>
-        </p:txBody>
-      </p:sp>
       <p:pic>
         <p:nvPicPr>
-          <p:cNvPr id="6" name="Content Placeholder 5">
+          <p:cNvPr id="6" name="Content Placeholder 5" descr="A close up of a map&#10;&#10;Description automatically generated">
             <a:extLst>
               <a:ext uri="{FF2B5EF4-FFF2-40B4-BE49-F238E27FC236}">
                 <a16:creationId xmlns:a16="http://schemas.microsoft.com/office/drawing/2014/main" id="{0D811BE3-E06C-4215-AD9F-BD14F98FEB53}"/>
@@ -4029,13 +4010,13 @@
         </p:nvPicPr>
         <p:blipFill rotWithShape="1">
           <a:blip r:embed="rId2"/>
-          <a:srcRect l="1" r="788" b="7068"/>
+          <a:srcRect/>
           <a:stretch/>
         </p:blipFill>
         <p:spPr>
           <a:xfrm>
-            <a:off x="4242437" y="1289296"/>
-            <a:ext cx="6123534" cy="3606900"/>
+            <a:off x="20" y="10"/>
+            <a:ext cx="12191980" cy="6857990"/>
           </a:xfrm>
           <a:prstGeom prst="rect">
             <a:avLst/>
@@ -4044,37 +4025,233 @@
       </p:pic>
       <p:sp>
         <p:nvSpPr>
-          <p:cNvPr id="7" name="Text Placeholder 6">
+          <p:cNvPr id="11" name="Freeform 5">
             <a:extLst>
               <a:ext uri="{FF2B5EF4-FFF2-40B4-BE49-F238E27FC236}">
-                <a16:creationId xmlns:a16="http://schemas.microsoft.com/office/drawing/2014/main" id="{1A86E133-D023-46C6-8CB6-C93D277C721A}"/>
+                <a16:creationId xmlns:a16="http://schemas.microsoft.com/office/drawing/2014/main" id="{87CC2527-562A-4F69-B487-4371E5B243E7}"/>
+              </a:ext>
+              <a:ext uri="{C183D7F6-B498-43B3-948B-1728B52AA6E4}">
+                <adec:decorative xmlns:adec="http://schemas.microsoft.com/office/drawing/2017/decorative" val="1"/>
               </a:ext>
             </a:extLst>
           </p:cNvPr>
           <p:cNvSpPr>
-            <a:spLocks noGrp="1"/>
-          </p:cNvSpPr>
-          <p:nvPr>
-            <p:ph type="body" sz="half" idx="2"/>
+            <a:spLocks noGrp="1" noRot="1" noChangeAspect="1" noMove="1" noResize="1" noEditPoints="1" noAdjustHandles="1" noChangeArrowheads="1" noChangeShapeType="1" noTextEdit="1"/>
+          </p:cNvSpPr>
+          <p:nvPr>
+            <p:extLst>
+              <p:ext uri="{386F3935-93C4-4BCD-93E2-E3B085C9AB24}">
+                <p16:designElem xmlns:p16="http://schemas.microsoft.com/office/powerpoint/2015/main" val="1"/>
+              </p:ext>
+            </p:extLst>
+          </p:nvPr>
+        </p:nvSpPr>
+        <p:spPr bwMode="grayWhite">
+          <a:xfrm>
+            <a:off x="7488621" y="2277613"/>
+            <a:ext cx="4703379" cy="4580387"/>
+          </a:xfrm>
+          <a:custGeom>
+            <a:avLst/>
+            <a:gdLst>
+              <a:gd name="T0" fmla="*/ 1333 w 1333"/>
+              <a:gd name="T1" fmla="*/ 1031 h 1298"/>
+              <a:gd name="T2" fmla="*/ 1333 w 1333"/>
+              <a:gd name="T3" fmla="*/ 380 h 1298"/>
+              <a:gd name="T4" fmla="*/ 706 w 1333"/>
+              <a:gd name="T5" fmla="*/ 0 h 1298"/>
+              <a:gd name="T6" fmla="*/ 0 w 1333"/>
+              <a:gd name="T7" fmla="*/ 706 h 1298"/>
+              <a:gd name="T8" fmla="*/ 323 w 1333"/>
+              <a:gd name="T9" fmla="*/ 1298 h 1298"/>
+              <a:gd name="T10" fmla="*/ 1090 w 1333"/>
+              <a:gd name="T11" fmla="*/ 1298 h 1298"/>
+              <a:gd name="T12" fmla="*/ 1333 w 1333"/>
+              <a:gd name="T13" fmla="*/ 1031 h 1298"/>
+            </a:gdLst>
+            <a:ahLst/>
+            <a:cxnLst>
+              <a:cxn ang="0">
+                <a:pos x="T0" y="T1"/>
+              </a:cxn>
+              <a:cxn ang="0">
+                <a:pos x="T2" y="T3"/>
+              </a:cxn>
+              <a:cxn ang="0">
+                <a:pos x="T4" y="T5"/>
+              </a:cxn>
+              <a:cxn ang="0">
+                <a:pos x="T6" y="T7"/>
+              </a:cxn>
+              <a:cxn ang="0">
+                <a:pos x="T8" y="T9"/>
+              </a:cxn>
+              <a:cxn ang="0">
+                <a:pos x="T10" y="T11"/>
+              </a:cxn>
+              <a:cxn ang="0">
+                <a:pos x="T12" y="T13"/>
+              </a:cxn>
+            </a:cxnLst>
+            <a:rect l="0" t="0" r="r" b="b"/>
+            <a:pathLst>
+              <a:path w="1333" h="1298">
+                <a:moveTo>
+                  <a:pt x="1333" y="1031"/>
+                </a:moveTo>
+                <a:cubicBezTo>
+                  <a:pt x="1333" y="380"/>
+                  <a:pt x="1333" y="380"/>
+                  <a:pt x="1333" y="380"/>
+                </a:cubicBezTo>
+                <a:cubicBezTo>
+                  <a:pt x="1215" y="154"/>
+                  <a:pt x="979" y="0"/>
+                  <a:pt x="706" y="0"/>
+                </a:cubicBezTo>
+                <a:cubicBezTo>
+                  <a:pt x="317" y="0"/>
+                  <a:pt x="0" y="316"/>
+                  <a:pt x="0" y="706"/>
+                </a:cubicBezTo>
+                <a:cubicBezTo>
+                  <a:pt x="0" y="954"/>
+                  <a:pt x="129" y="1172"/>
+                  <a:pt x="323" y="1298"/>
+                </a:cubicBezTo>
+                <a:cubicBezTo>
+                  <a:pt x="1090" y="1298"/>
+                  <a:pt x="1090" y="1298"/>
+                  <a:pt x="1090" y="1298"/>
+                </a:cubicBezTo>
+                <a:cubicBezTo>
+                  <a:pt x="1193" y="1232"/>
+                  <a:pt x="1276" y="1140"/>
+                  <a:pt x="1333" y="1031"/>
+                </a:cubicBezTo>
+                <a:close/>
+              </a:path>
+            </a:pathLst>
+          </a:custGeom>
+          <a:solidFill>
+            <a:schemeClr val="bg1">
+              <a:alpha val="70000"/>
+            </a:schemeClr>
+          </a:solidFill>
+          <a:ln w="50800" cap="sq" cmpd="dbl">
+            <a:noFill/>
+            <a:miter lim="800000"/>
+          </a:ln>
+          <a:effectLst/>
+          <a:extLst/>
+        </p:spPr>
+        <p:txBody>
+          <a:bodyPr vert="horz" lIns="91440" tIns="45720" rIns="91440" bIns="45720" rtlCol="0" anchor="t">
+            <a:normAutofit/>
+          </a:bodyPr>
+          <a:lstStyle/>
+          <a:p>
+            <a:pPr algn="ctr">
+              <a:spcAft>
+                <a:spcPts val="1000"/>
+              </a:spcAft>
+              <a:buClr>
+                <a:schemeClr val="tx1"/>
+              </a:buClr>
+              <a:buSzPct val="100000"/>
+              <a:buFont typeface="Arial"/>
+              <a:buNone/>
+            </a:pPr>
+            <a:endParaRPr lang="en-US" sz="1600" cap="all"/>
+          </a:p>
+        </p:txBody>
+      </p:sp>
+      <p:sp>
+        <p:nvSpPr>
+          <p:cNvPr id="2" name="Title 1"/>
+          <p:cNvSpPr>
+            <a:spLocks noGrp="1"/>
+          </p:cNvSpPr>
+          <p:nvPr>
+            <p:ph type="title"/>
           </p:nvPr>
         </p:nvSpPr>
         <p:spPr>
           <a:xfrm>
-            <a:off x="149831" y="1230284"/>
-            <a:ext cx="3932237" cy="3811588"/>
+            <a:off x="8022021" y="3231931"/>
+            <a:ext cx="3852041" cy="1834056"/>
           </a:xfrm>
         </p:spPr>
         <p:txBody>
-          <a:bodyPr/>
-          <a:lstStyle/>
-          <a:p>
-            <a:r>
-              <a:rPr lang="en-US" dirty="0"/>
-              <a:t>?????????????????</a:t>
-            </a:r>
-          </a:p>
-        </p:txBody>
-      </p:sp>
+          <a:bodyPr vert="horz" lIns="91440" tIns="45720" rIns="91440" bIns="45720" rtlCol="0" anchor="b">
+            <a:normAutofit/>
+          </a:bodyPr>
+          <a:lstStyle/>
+          <a:p>
+            <a:pPr algn="ctr"/>
+            <a:r>
+              <a:rPr lang="en-US" sz="4000"/>
+              <a:t>Fire size per state</a:t>
+            </a:r>
+          </a:p>
+        </p:txBody>
+      </p:sp>
+      <p:cxnSp>
+        <p:nvCxnSpPr>
+          <p:cNvPr id="13" name="Straight Connector 12">
+            <a:extLst>
+              <a:ext uri="{FF2B5EF4-FFF2-40B4-BE49-F238E27FC236}">
+                <a16:creationId xmlns:a16="http://schemas.microsoft.com/office/drawing/2014/main" id="{BCDAEC91-5BCE-4B55-9CC0-43EF94CB734B}"/>
+              </a:ext>
+              <a:ext uri="{C183D7F6-B498-43B3-948B-1728B52AA6E4}">
+                <adec:decorative xmlns:adec="http://schemas.microsoft.com/office/drawing/2017/decorative" val="1"/>
+              </a:ext>
+            </a:extLst>
+          </p:cNvPr>
+          <p:cNvCxnSpPr>
+            <a:cxnSpLocks noGrp="1" noRot="1" noChangeAspect="1" noMove="1" noResize="1" noEditPoints="1" noAdjustHandles="1" noChangeArrowheads="1" noChangeShapeType="1"/>
+          </p:cNvCxnSpPr>
+          <p:nvPr>
+            <p:extLst>
+              <p:ext uri="{386F3935-93C4-4BCD-93E2-E3B085C9AB24}">
+                <p16:designElem xmlns:p16="http://schemas.microsoft.com/office/powerpoint/2015/main" val="1"/>
+              </p:ext>
+            </p:extLst>
+          </p:nvPr>
+        </p:nvCxnSpPr>
+        <p:spPr>
+          <a:xfrm>
+            <a:off x="9480331" y="5123793"/>
+            <a:ext cx="935420" cy="0"/>
+          </a:xfrm>
+          <a:prstGeom prst="line">
+            <a:avLst/>
+          </a:prstGeom>
+          <a:ln w="25400" cap="sq">
+            <a:solidFill>
+              <a:schemeClr val="tx1">
+                <a:lumMod val="85000"/>
+                <a:lumOff val="15000"/>
+              </a:schemeClr>
+            </a:solidFill>
+            <a:bevel/>
+          </a:ln>
+        </p:spPr>
+        <p:style>
+          <a:lnRef idx="1">
+            <a:schemeClr val="accent1"/>
+          </a:lnRef>
+          <a:fillRef idx="0">
+            <a:schemeClr val="accent1"/>
+          </a:fillRef>
+          <a:effectRef idx="0">
+            <a:schemeClr val="accent1"/>
+          </a:effectRef>
+          <a:fontRef idx="minor">
+            <a:schemeClr val="tx1"/>
+          </a:fontRef>
+        </p:style>
+      </p:cxnSp>
     </p:spTree>
     <p:extLst>
       <p:ext uri="{BB962C8B-B14F-4D97-AF65-F5344CB8AC3E}">
